--- a/Pengantar_Web/Materi_HTML4/Pert4.Materi-Elemen Dasar HTML (Ok).pptx
+++ b/Pengantar_Web/Materi_HTML4/Pert4.Materi-Elemen Dasar HTML (Ok).pptx
@@ -212,7 +212,7 @@
           <a:p>
             <a:fld id="{70EB9B9D-F8D7-4B32-A502-9272982AC410}" type="datetimeFigureOut">
               <a:rPr lang="id-ID" smtClean="0"/>
-              <a:t>25/03/2014</a:t>
+              <a:t>10/04/2015</a:t>
             </a:fld>
             <a:endParaRPr lang="id-ID"/>
           </a:p>
@@ -1546,7 +1546,7 @@
             <a:fld id="{1D8BD707-D9CF-40AE-B4C6-C98DA3205C09}" type="datetimeFigureOut">
               <a:rPr lang="en-US" smtClean="0"/>
               <a:pPr/>
-              <a:t>3/25/2014</a:t>
+              <a:t>4/10/2015</a:t>
             </a:fld>
             <a:endParaRPr lang="en-US"/>
           </a:p>
@@ -1731,7 +1731,7 @@
             <a:fld id="{1D8BD707-D9CF-40AE-B4C6-C98DA3205C09}" type="datetimeFigureOut">
               <a:rPr lang="en-US" smtClean="0"/>
               <a:pPr/>
-              <a:t>3/25/2014</a:t>
+              <a:t>4/10/2015</a:t>
             </a:fld>
             <a:endParaRPr lang="en-US"/>
           </a:p>
@@ -1908,7 +1908,7 @@
             <a:fld id="{1D8BD707-D9CF-40AE-B4C6-C98DA3205C09}" type="datetimeFigureOut">
               <a:rPr lang="en-US" smtClean="0"/>
               <a:pPr/>
-              <a:t>3/25/2014</a:t>
+              <a:t>4/10/2015</a:t>
             </a:fld>
             <a:endParaRPr lang="en-US"/>
           </a:p>
@@ -2075,7 +2075,7 @@
             <a:fld id="{1D8BD707-D9CF-40AE-B4C6-C98DA3205C09}" type="datetimeFigureOut">
               <a:rPr lang="en-US" smtClean="0"/>
               <a:pPr/>
-              <a:t>3/25/2014</a:t>
+              <a:t>4/10/2015</a:t>
             </a:fld>
             <a:endParaRPr lang="en-US"/>
           </a:p>
@@ -2298,7 +2298,7 @@
             <a:fld id="{1D8BD707-D9CF-40AE-B4C6-C98DA3205C09}" type="datetimeFigureOut">
               <a:rPr lang="en-US" smtClean="0"/>
               <a:pPr/>
-              <a:t>3/25/2014</a:t>
+              <a:t>4/10/2015</a:t>
             </a:fld>
             <a:endParaRPr lang="en-US"/>
           </a:p>
@@ -2559,7 +2559,7 @@
             <a:fld id="{1D8BD707-D9CF-40AE-B4C6-C98DA3205C09}" type="datetimeFigureOut">
               <a:rPr lang="en-US" smtClean="0"/>
               <a:pPr/>
-              <a:t>3/25/2014</a:t>
+              <a:t>4/10/2015</a:t>
             </a:fld>
             <a:endParaRPr lang="en-US"/>
           </a:p>
@@ -2965,7 +2965,7 @@
             <a:fld id="{1D8BD707-D9CF-40AE-B4C6-C98DA3205C09}" type="datetimeFigureOut">
               <a:rPr lang="en-US" smtClean="0"/>
               <a:pPr/>
-              <a:t>3/25/2014</a:t>
+              <a:t>4/10/2015</a:t>
             </a:fld>
             <a:endParaRPr lang="en-US"/>
           </a:p>
@@ -3098,7 +3098,7 @@
             <a:fld id="{1D8BD707-D9CF-40AE-B4C6-C98DA3205C09}" type="datetimeFigureOut">
               <a:rPr lang="en-US" smtClean="0"/>
               <a:pPr/>
-              <a:t>3/25/2014</a:t>
+              <a:t>4/10/2015</a:t>
             </a:fld>
             <a:endParaRPr lang="en-US"/>
           </a:p>
@@ -3200,7 +3200,7 @@
             <a:fld id="{1D8BD707-D9CF-40AE-B4C6-C98DA3205C09}" type="datetimeFigureOut">
               <a:rPr lang="en-US" smtClean="0"/>
               <a:pPr/>
-              <a:t>3/25/2014</a:t>
+              <a:t>4/10/2015</a:t>
             </a:fld>
             <a:endParaRPr lang="en-US"/>
           </a:p>
@@ -3447,7 +3447,7 @@
             <a:fld id="{1D8BD707-D9CF-40AE-B4C6-C98DA3205C09}" type="datetimeFigureOut">
               <a:rPr lang="en-US" smtClean="0"/>
               <a:pPr/>
-              <a:t>3/25/2014</a:t>
+              <a:t>4/10/2015</a:t>
             </a:fld>
             <a:endParaRPr lang="en-US"/>
           </a:p>
@@ -3693,7 +3693,7 @@
             <a:fld id="{1D8BD707-D9CF-40AE-B4C6-C98DA3205C09}" type="datetimeFigureOut">
               <a:rPr lang="en-US" smtClean="0"/>
               <a:pPr/>
-              <a:t>3/25/2014</a:t>
+              <a:t>4/10/2015</a:t>
             </a:fld>
             <a:endParaRPr lang="en-US"/>
           </a:p>
@@ -4519,7 +4519,7 @@
             <a:fld id="{1D8BD707-D9CF-40AE-B4C6-C98DA3205C09}" type="datetimeFigureOut">
               <a:rPr lang="en-US" smtClean="0"/>
               <a:pPr/>
-              <a:t>3/25/2014</a:t>
+              <a:t>4/10/2015</a:t>
             </a:fld>
             <a:endParaRPr lang="en-US"/>
           </a:p>
@@ -7659,7 +7659,19 @@
             </a:pPr>
             <a:r>
               <a:rPr lang="id-ID" dirty="0" smtClean="0"/>
-              <a:t>&lt;blockquote&gt; Pada awal tahun 1977 tepatnya komputer dengan prosesor Pentium, beberapakomputer sudah mempunyai piranti baru untuk memudahkan pengguna komputer dalam menangani masalah kabel yang bayak.&lt;br&gt; </a:t>
+              <a:t>&lt;blockquote&gt; Pada awal tahun 1977 tepatnya komputer dengan prosesor Pentium, beberapakomputer sudah mempunyai piranti baru untuk memudahkan pengguna komputer dalam menangani masalah kabel yang bayak.&lt;</a:t>
+            </a:r>
+            <a:r>
+              <a:rPr lang="id-ID" dirty="0" smtClean="0"/>
+              <a:t>br</a:t>
+            </a:r>
+            <a:r>
+              <a:rPr lang="en-US" dirty="0" smtClean="0"/>
+              <a:t>/</a:t>
+            </a:r>
+            <a:r>
+              <a:rPr lang="id-ID" dirty="0" smtClean="0"/>
+              <a:t>&gt; </a:t>
             </a:r>
             <a:endParaRPr lang="en-US" dirty="0" smtClean="0"/>
           </a:p>
@@ -7687,7 +7699,23 @@
             </a:pPr>
             <a:r>
               <a:rPr lang="id-ID" dirty="0" smtClean="0"/>
-              <a:t>&lt;h5&gt;Disadur dari Buku " Pengantar Sistem Komputer" Hal:134 &lt;h5&gt;</a:t>
+              <a:t>&lt;h5&gt;Disadur dari Buku " Pengantar Sistem Komputer" Hal:134 </a:t>
+            </a:r>
+            <a:r>
+              <a:rPr lang="id-ID" dirty="0" smtClean="0"/>
+              <a:t>&lt;</a:t>
+            </a:r>
+            <a:r>
+              <a:rPr lang="en-US" dirty="0" smtClean="0"/>
+              <a:t>/</a:t>
+            </a:r>
+            <a:r>
+              <a:rPr lang="id-ID" dirty="0" smtClean="0"/>
+              <a:t>h5</a:t>
+            </a:r>
+            <a:r>
+              <a:rPr lang="id-ID" dirty="0" smtClean="0"/>
+              <a:t>&gt;</a:t>
             </a:r>
             <a:endParaRPr lang="en-US" dirty="0" smtClean="0"/>
           </a:p>
